--- a/ppt 16-9/1255.年轻人.pptx
+++ b/ppt 16-9/1255.年轻人.pptx
@@ -5,7 +5,7 @@
     <p:sldMasterId id="2147483648" r:id="rId1"/>
   </p:sldMasterIdLst>
   <p:sldIdLst>
-    <p:sldId id="802" r:id="rId2"/>
+    <p:sldId id="803" r:id="rId2"/>
   </p:sldIdLst>
   <p:sldSz cx="12192000" cy="6858000"/>
   <p:notesSz cx="6858000" cy="9144000"/>
@@ -129,7 +129,7 @@
           <p:cNvPr id="2" name="标题 1">
             <a:extLst>
               <a:ext uri="{FF2B5EF4-FFF2-40B4-BE49-F238E27FC236}">
-                <a16:creationId xmlns:a16="http://schemas.microsoft.com/office/drawing/2014/main" id="{8463CB0B-F4CC-2119-E1F4-468CFB26E9A0}"/>
+                <a16:creationId xmlns:a16="http://schemas.microsoft.com/office/drawing/2014/main" id="{96566692-9F79-E156-E0C0-86BB3C1E54D4}"/>
               </a:ext>
             </a:extLst>
           </p:cNvPr>
@@ -166,7 +166,7 @@
           <p:cNvPr id="3" name="副标题 2">
             <a:extLst>
               <a:ext uri="{FF2B5EF4-FFF2-40B4-BE49-F238E27FC236}">
-                <a16:creationId xmlns:a16="http://schemas.microsoft.com/office/drawing/2014/main" id="{465B0C61-1CF1-77AF-654C-BC5F54072504}"/>
+                <a16:creationId xmlns:a16="http://schemas.microsoft.com/office/drawing/2014/main" id="{8EB33156-1DE0-6BA4-BF52-CBD1C2E8D775}"/>
               </a:ext>
             </a:extLst>
           </p:cNvPr>
@@ -236,7 +236,7 @@
           <p:cNvPr id="4" name="日期占位符 3">
             <a:extLst>
               <a:ext uri="{FF2B5EF4-FFF2-40B4-BE49-F238E27FC236}">
-                <a16:creationId xmlns:a16="http://schemas.microsoft.com/office/drawing/2014/main" id="{21E0411B-47CA-641B-5A4A-37C61D13AEC8}"/>
+                <a16:creationId xmlns:a16="http://schemas.microsoft.com/office/drawing/2014/main" id="{838D04B7-A7B4-3093-E470-42A427E722A7}"/>
               </a:ext>
             </a:extLst>
           </p:cNvPr>
@@ -252,7 +252,7 @@
           <a:bodyPr/>
           <a:lstStyle/>
           <a:p>
-            <a:fld id="{87E82FAC-03AF-4B8A-AE2C-9A7347619512}" type="datetimeFigureOut">
+            <a:fld id="{443B54B6-D661-4FED-89F0-CA51A1B24B0B}" type="datetimeFigureOut">
               <a:rPr lang="zh-CN" altLang="en-US" smtClean="0"/>
               <a:t>2024/3/10</a:t>
             </a:fld>
@@ -265,7 +265,7 @@
           <p:cNvPr id="5" name="页脚占位符 4">
             <a:extLst>
               <a:ext uri="{FF2B5EF4-FFF2-40B4-BE49-F238E27FC236}">
-                <a16:creationId xmlns:a16="http://schemas.microsoft.com/office/drawing/2014/main" id="{1F39777F-A9D7-FAB1-0F19-FBF97547A60C}"/>
+                <a16:creationId xmlns:a16="http://schemas.microsoft.com/office/drawing/2014/main" id="{D084D243-6719-6EB9-49CD-FBFEC49BA013}"/>
               </a:ext>
             </a:extLst>
           </p:cNvPr>
@@ -290,7 +290,7 @@
           <p:cNvPr id="6" name="灯片编号占位符 5">
             <a:extLst>
               <a:ext uri="{FF2B5EF4-FFF2-40B4-BE49-F238E27FC236}">
-                <a16:creationId xmlns:a16="http://schemas.microsoft.com/office/drawing/2014/main" id="{62008174-5980-6AB6-B47C-9596C08DE6B4}"/>
+                <a16:creationId xmlns:a16="http://schemas.microsoft.com/office/drawing/2014/main" id="{D830D197-0837-00F4-3E04-F11ACC39AEF3}"/>
               </a:ext>
             </a:extLst>
           </p:cNvPr>
@@ -306,7 +306,7 @@
           <a:bodyPr/>
           <a:lstStyle/>
           <a:p>
-            <a:fld id="{9B618E51-2243-433F-A58B-213E87C6B44F}" type="slidenum">
+            <a:fld id="{66BB5DAE-5780-4092-8AC6-188477A4C476}" type="slidenum">
               <a:rPr lang="zh-CN" altLang="en-US" smtClean="0"/>
               <a:t>‹#›</a:t>
             </a:fld>
@@ -317,7 +317,7 @@
     </p:spTree>
     <p:extLst>
       <p:ext uri="{BB962C8B-B14F-4D97-AF65-F5344CB8AC3E}">
-        <p14:creationId xmlns:p14="http://schemas.microsoft.com/office/powerpoint/2010/main" val="2951787891"/>
+        <p14:creationId xmlns:p14="http://schemas.microsoft.com/office/powerpoint/2010/main" val="2873989887"/>
       </p:ext>
     </p:extLst>
   </p:cSld>
@@ -349,7 +349,7 @@
           <p:cNvPr id="2" name="标题 1">
             <a:extLst>
               <a:ext uri="{FF2B5EF4-FFF2-40B4-BE49-F238E27FC236}">
-                <a16:creationId xmlns:a16="http://schemas.microsoft.com/office/drawing/2014/main" id="{6DE1E6EE-01BF-A3A8-DBF8-79874F1C2D12}"/>
+                <a16:creationId xmlns:a16="http://schemas.microsoft.com/office/drawing/2014/main" id="{0EAEA86B-6372-D287-74B1-8AC1473E882E}"/>
               </a:ext>
             </a:extLst>
           </p:cNvPr>
@@ -377,7 +377,7 @@
           <p:cNvPr id="3" name="竖排文字占位符 2">
             <a:extLst>
               <a:ext uri="{FF2B5EF4-FFF2-40B4-BE49-F238E27FC236}">
-                <a16:creationId xmlns:a16="http://schemas.microsoft.com/office/drawing/2014/main" id="{D890FE91-8079-26ED-F192-13EB76FBF1EC}"/>
+                <a16:creationId xmlns:a16="http://schemas.microsoft.com/office/drawing/2014/main" id="{D1DB6AB8-215A-BA4A-C733-D1560DE1CAA6}"/>
               </a:ext>
             </a:extLst>
           </p:cNvPr>
@@ -434,7 +434,7 @@
           <p:cNvPr id="4" name="日期占位符 3">
             <a:extLst>
               <a:ext uri="{FF2B5EF4-FFF2-40B4-BE49-F238E27FC236}">
-                <a16:creationId xmlns:a16="http://schemas.microsoft.com/office/drawing/2014/main" id="{7B8A2986-E682-615E-C3B2-517309D0D6C9}"/>
+                <a16:creationId xmlns:a16="http://schemas.microsoft.com/office/drawing/2014/main" id="{5FC30702-9401-6ADA-13AC-153A42244156}"/>
               </a:ext>
             </a:extLst>
           </p:cNvPr>
@@ -450,7 +450,7 @@
           <a:bodyPr/>
           <a:lstStyle/>
           <a:p>
-            <a:fld id="{87E82FAC-03AF-4B8A-AE2C-9A7347619512}" type="datetimeFigureOut">
+            <a:fld id="{443B54B6-D661-4FED-89F0-CA51A1B24B0B}" type="datetimeFigureOut">
               <a:rPr lang="zh-CN" altLang="en-US" smtClean="0"/>
               <a:t>2024/3/10</a:t>
             </a:fld>
@@ -463,7 +463,7 @@
           <p:cNvPr id="5" name="页脚占位符 4">
             <a:extLst>
               <a:ext uri="{FF2B5EF4-FFF2-40B4-BE49-F238E27FC236}">
-                <a16:creationId xmlns:a16="http://schemas.microsoft.com/office/drawing/2014/main" id="{42068B44-C46A-153E-25DA-0F71F0272414}"/>
+                <a16:creationId xmlns:a16="http://schemas.microsoft.com/office/drawing/2014/main" id="{79FE844B-6719-FAE8-5744-7CBA63E753E3}"/>
               </a:ext>
             </a:extLst>
           </p:cNvPr>
@@ -488,7 +488,7 @@
           <p:cNvPr id="6" name="灯片编号占位符 5">
             <a:extLst>
               <a:ext uri="{FF2B5EF4-FFF2-40B4-BE49-F238E27FC236}">
-                <a16:creationId xmlns:a16="http://schemas.microsoft.com/office/drawing/2014/main" id="{57F200B2-842E-21ED-14D4-E0D909F796C7}"/>
+                <a16:creationId xmlns:a16="http://schemas.microsoft.com/office/drawing/2014/main" id="{63756DBF-7082-D8C6-DF18-67870ED7904C}"/>
               </a:ext>
             </a:extLst>
           </p:cNvPr>
@@ -504,7 +504,7 @@
           <a:bodyPr/>
           <a:lstStyle/>
           <a:p>
-            <a:fld id="{9B618E51-2243-433F-A58B-213E87C6B44F}" type="slidenum">
+            <a:fld id="{66BB5DAE-5780-4092-8AC6-188477A4C476}" type="slidenum">
               <a:rPr lang="zh-CN" altLang="en-US" smtClean="0"/>
               <a:t>‹#›</a:t>
             </a:fld>
@@ -515,7 +515,7 @@
     </p:spTree>
     <p:extLst>
       <p:ext uri="{BB962C8B-B14F-4D97-AF65-F5344CB8AC3E}">
-        <p14:creationId xmlns:p14="http://schemas.microsoft.com/office/powerpoint/2010/main" val="1403406912"/>
+        <p14:creationId xmlns:p14="http://schemas.microsoft.com/office/powerpoint/2010/main" val="2306858864"/>
       </p:ext>
     </p:extLst>
   </p:cSld>
@@ -547,7 +547,7 @@
           <p:cNvPr id="2" name="竖排标题 1">
             <a:extLst>
               <a:ext uri="{FF2B5EF4-FFF2-40B4-BE49-F238E27FC236}">
-                <a16:creationId xmlns:a16="http://schemas.microsoft.com/office/drawing/2014/main" id="{8074615B-76AA-50D1-0E06-FB21C3227001}"/>
+                <a16:creationId xmlns:a16="http://schemas.microsoft.com/office/drawing/2014/main" id="{372AEF17-32C7-9D95-D1FA-2A5DE0892DB2}"/>
               </a:ext>
             </a:extLst>
           </p:cNvPr>
@@ -580,7 +580,7 @@
           <p:cNvPr id="3" name="竖排文字占位符 2">
             <a:extLst>
               <a:ext uri="{FF2B5EF4-FFF2-40B4-BE49-F238E27FC236}">
-                <a16:creationId xmlns:a16="http://schemas.microsoft.com/office/drawing/2014/main" id="{E5C7E0D1-C490-48D1-2D90-422605446D44}"/>
+                <a16:creationId xmlns:a16="http://schemas.microsoft.com/office/drawing/2014/main" id="{AF852D61-7C0D-EB4E-ED9B-A55BAE37CE01}"/>
               </a:ext>
             </a:extLst>
           </p:cNvPr>
@@ -642,7 +642,7 @@
           <p:cNvPr id="4" name="日期占位符 3">
             <a:extLst>
               <a:ext uri="{FF2B5EF4-FFF2-40B4-BE49-F238E27FC236}">
-                <a16:creationId xmlns:a16="http://schemas.microsoft.com/office/drawing/2014/main" id="{7EE03478-597A-3213-605D-7D4C3419AFC0}"/>
+                <a16:creationId xmlns:a16="http://schemas.microsoft.com/office/drawing/2014/main" id="{21F418A0-273E-2EBA-6D24-3408D7A7FED4}"/>
               </a:ext>
             </a:extLst>
           </p:cNvPr>
@@ -658,7 +658,7 @@
           <a:bodyPr/>
           <a:lstStyle/>
           <a:p>
-            <a:fld id="{87E82FAC-03AF-4B8A-AE2C-9A7347619512}" type="datetimeFigureOut">
+            <a:fld id="{443B54B6-D661-4FED-89F0-CA51A1B24B0B}" type="datetimeFigureOut">
               <a:rPr lang="zh-CN" altLang="en-US" smtClean="0"/>
               <a:t>2024/3/10</a:t>
             </a:fld>
@@ -671,7 +671,7 @@
           <p:cNvPr id="5" name="页脚占位符 4">
             <a:extLst>
               <a:ext uri="{FF2B5EF4-FFF2-40B4-BE49-F238E27FC236}">
-                <a16:creationId xmlns:a16="http://schemas.microsoft.com/office/drawing/2014/main" id="{C28F006A-012B-B55A-F4C1-B1D85D81792E}"/>
+                <a16:creationId xmlns:a16="http://schemas.microsoft.com/office/drawing/2014/main" id="{B9A5CD3A-CB81-599A-9ED4-A35E1AD7D086}"/>
               </a:ext>
             </a:extLst>
           </p:cNvPr>
@@ -696,7 +696,7 @@
           <p:cNvPr id="6" name="灯片编号占位符 5">
             <a:extLst>
               <a:ext uri="{FF2B5EF4-FFF2-40B4-BE49-F238E27FC236}">
-                <a16:creationId xmlns:a16="http://schemas.microsoft.com/office/drawing/2014/main" id="{7E10255E-6841-805A-49E3-48AC448B70ED}"/>
+                <a16:creationId xmlns:a16="http://schemas.microsoft.com/office/drawing/2014/main" id="{5111166B-9BD4-0648-4452-CAF85DB5F37D}"/>
               </a:ext>
             </a:extLst>
           </p:cNvPr>
@@ -712,7 +712,7 @@
           <a:bodyPr/>
           <a:lstStyle/>
           <a:p>
-            <a:fld id="{9B618E51-2243-433F-A58B-213E87C6B44F}" type="slidenum">
+            <a:fld id="{66BB5DAE-5780-4092-8AC6-188477A4C476}" type="slidenum">
               <a:rPr lang="zh-CN" altLang="en-US" smtClean="0"/>
               <a:t>‹#›</a:t>
             </a:fld>
@@ -723,7 +723,7 @@
     </p:spTree>
     <p:extLst>
       <p:ext uri="{BB962C8B-B14F-4D97-AF65-F5344CB8AC3E}">
-        <p14:creationId xmlns:p14="http://schemas.microsoft.com/office/powerpoint/2010/main" val="586024955"/>
+        <p14:creationId xmlns:p14="http://schemas.microsoft.com/office/powerpoint/2010/main" val="1145174189"/>
       </p:ext>
     </p:extLst>
   </p:cSld>
@@ -755,7 +755,7 @@
           <p:cNvPr id="2" name="标题 1">
             <a:extLst>
               <a:ext uri="{FF2B5EF4-FFF2-40B4-BE49-F238E27FC236}">
-                <a16:creationId xmlns:a16="http://schemas.microsoft.com/office/drawing/2014/main" id="{9B9EBD7B-DFDA-EF1C-31DD-AF768830921C}"/>
+                <a16:creationId xmlns:a16="http://schemas.microsoft.com/office/drawing/2014/main" id="{A6F1133C-B83B-F5CC-50F1-CD932BC6611A}"/>
               </a:ext>
             </a:extLst>
           </p:cNvPr>
@@ -783,7 +783,7 @@
           <p:cNvPr id="3" name="内容占位符 2">
             <a:extLst>
               <a:ext uri="{FF2B5EF4-FFF2-40B4-BE49-F238E27FC236}">
-                <a16:creationId xmlns:a16="http://schemas.microsoft.com/office/drawing/2014/main" id="{3C85337F-A64F-B260-E50B-78FBF77364E2}"/>
+                <a16:creationId xmlns:a16="http://schemas.microsoft.com/office/drawing/2014/main" id="{2E59C1CF-2041-1B63-D961-EE811A2FB942}"/>
               </a:ext>
             </a:extLst>
           </p:cNvPr>
@@ -840,7 +840,7 @@
           <p:cNvPr id="4" name="日期占位符 3">
             <a:extLst>
               <a:ext uri="{FF2B5EF4-FFF2-40B4-BE49-F238E27FC236}">
-                <a16:creationId xmlns:a16="http://schemas.microsoft.com/office/drawing/2014/main" id="{96D0E0C1-6F74-8514-99A7-4813D840F7D1}"/>
+                <a16:creationId xmlns:a16="http://schemas.microsoft.com/office/drawing/2014/main" id="{9F284AFD-4936-0E40-8919-B06B2C45017B}"/>
               </a:ext>
             </a:extLst>
           </p:cNvPr>
@@ -856,7 +856,7 @@
           <a:bodyPr/>
           <a:lstStyle/>
           <a:p>
-            <a:fld id="{87E82FAC-03AF-4B8A-AE2C-9A7347619512}" type="datetimeFigureOut">
+            <a:fld id="{443B54B6-D661-4FED-89F0-CA51A1B24B0B}" type="datetimeFigureOut">
               <a:rPr lang="zh-CN" altLang="en-US" smtClean="0"/>
               <a:t>2024/3/10</a:t>
             </a:fld>
@@ -869,7 +869,7 @@
           <p:cNvPr id="5" name="页脚占位符 4">
             <a:extLst>
               <a:ext uri="{FF2B5EF4-FFF2-40B4-BE49-F238E27FC236}">
-                <a16:creationId xmlns:a16="http://schemas.microsoft.com/office/drawing/2014/main" id="{4476F0E8-CAF3-96CC-18C5-2E2562A21C9D}"/>
+                <a16:creationId xmlns:a16="http://schemas.microsoft.com/office/drawing/2014/main" id="{E9E88A70-DF75-94FE-B668-B97A92FB6FDE}"/>
               </a:ext>
             </a:extLst>
           </p:cNvPr>
@@ -894,7 +894,7 @@
           <p:cNvPr id="6" name="灯片编号占位符 5">
             <a:extLst>
               <a:ext uri="{FF2B5EF4-FFF2-40B4-BE49-F238E27FC236}">
-                <a16:creationId xmlns:a16="http://schemas.microsoft.com/office/drawing/2014/main" id="{70A90A7C-50BC-3438-4513-97CEEF2F0FA7}"/>
+                <a16:creationId xmlns:a16="http://schemas.microsoft.com/office/drawing/2014/main" id="{26A00A1B-6254-B0BC-EA99-EB78241ADDFE}"/>
               </a:ext>
             </a:extLst>
           </p:cNvPr>
@@ -910,7 +910,7 @@
           <a:bodyPr/>
           <a:lstStyle/>
           <a:p>
-            <a:fld id="{9B618E51-2243-433F-A58B-213E87C6B44F}" type="slidenum">
+            <a:fld id="{66BB5DAE-5780-4092-8AC6-188477A4C476}" type="slidenum">
               <a:rPr lang="zh-CN" altLang="en-US" smtClean="0"/>
               <a:t>‹#›</a:t>
             </a:fld>
@@ -921,7 +921,7 @@
     </p:spTree>
     <p:extLst>
       <p:ext uri="{BB962C8B-B14F-4D97-AF65-F5344CB8AC3E}">
-        <p14:creationId xmlns:p14="http://schemas.microsoft.com/office/powerpoint/2010/main" val="2763214498"/>
+        <p14:creationId xmlns:p14="http://schemas.microsoft.com/office/powerpoint/2010/main" val="3742665546"/>
       </p:ext>
     </p:extLst>
   </p:cSld>
@@ -953,7 +953,7 @@
           <p:cNvPr id="2" name="标题 1">
             <a:extLst>
               <a:ext uri="{FF2B5EF4-FFF2-40B4-BE49-F238E27FC236}">
-                <a16:creationId xmlns:a16="http://schemas.microsoft.com/office/drawing/2014/main" id="{0682A588-66B5-1AB8-2D32-D5C5AE16872F}"/>
+                <a16:creationId xmlns:a16="http://schemas.microsoft.com/office/drawing/2014/main" id="{8DE43AD2-08BF-2D3C-CF15-144FA843DCD8}"/>
               </a:ext>
             </a:extLst>
           </p:cNvPr>
@@ -990,7 +990,7 @@
           <p:cNvPr id="3" name="文本占位符 2">
             <a:extLst>
               <a:ext uri="{FF2B5EF4-FFF2-40B4-BE49-F238E27FC236}">
-                <a16:creationId xmlns:a16="http://schemas.microsoft.com/office/drawing/2014/main" id="{44A26EC9-FEA4-9CBF-9519-5DEA4682A8E8}"/>
+                <a16:creationId xmlns:a16="http://schemas.microsoft.com/office/drawing/2014/main" id="{C474D863-FD70-992F-ECC9-A16EDC130061}"/>
               </a:ext>
             </a:extLst>
           </p:cNvPr>
@@ -1115,7 +1115,7 @@
           <p:cNvPr id="4" name="日期占位符 3">
             <a:extLst>
               <a:ext uri="{FF2B5EF4-FFF2-40B4-BE49-F238E27FC236}">
-                <a16:creationId xmlns:a16="http://schemas.microsoft.com/office/drawing/2014/main" id="{796CE5EB-BFB2-21F6-A813-260E2C8A9067}"/>
+                <a16:creationId xmlns:a16="http://schemas.microsoft.com/office/drawing/2014/main" id="{1F004BE5-5AE2-FA44-FC9C-7822D2201BC1}"/>
               </a:ext>
             </a:extLst>
           </p:cNvPr>
@@ -1131,7 +1131,7 @@
           <a:bodyPr/>
           <a:lstStyle/>
           <a:p>
-            <a:fld id="{87E82FAC-03AF-4B8A-AE2C-9A7347619512}" type="datetimeFigureOut">
+            <a:fld id="{443B54B6-D661-4FED-89F0-CA51A1B24B0B}" type="datetimeFigureOut">
               <a:rPr lang="zh-CN" altLang="en-US" smtClean="0"/>
               <a:t>2024/3/10</a:t>
             </a:fld>
@@ -1144,7 +1144,7 @@
           <p:cNvPr id="5" name="页脚占位符 4">
             <a:extLst>
               <a:ext uri="{FF2B5EF4-FFF2-40B4-BE49-F238E27FC236}">
-                <a16:creationId xmlns:a16="http://schemas.microsoft.com/office/drawing/2014/main" id="{AFA6B0E4-18F5-A886-110E-245587E50C72}"/>
+                <a16:creationId xmlns:a16="http://schemas.microsoft.com/office/drawing/2014/main" id="{98462FF8-751E-88FE-B23B-4DE7323CD54B}"/>
               </a:ext>
             </a:extLst>
           </p:cNvPr>
@@ -1169,7 +1169,7 @@
           <p:cNvPr id="6" name="灯片编号占位符 5">
             <a:extLst>
               <a:ext uri="{FF2B5EF4-FFF2-40B4-BE49-F238E27FC236}">
-                <a16:creationId xmlns:a16="http://schemas.microsoft.com/office/drawing/2014/main" id="{E9D0A0F0-3F5E-5A76-79F5-9312C6B5C584}"/>
+                <a16:creationId xmlns:a16="http://schemas.microsoft.com/office/drawing/2014/main" id="{D4EEA4C6-C21C-FF68-6D17-A0D8D97937FA}"/>
               </a:ext>
             </a:extLst>
           </p:cNvPr>
@@ -1185,7 +1185,7 @@
           <a:bodyPr/>
           <a:lstStyle/>
           <a:p>
-            <a:fld id="{9B618E51-2243-433F-A58B-213E87C6B44F}" type="slidenum">
+            <a:fld id="{66BB5DAE-5780-4092-8AC6-188477A4C476}" type="slidenum">
               <a:rPr lang="zh-CN" altLang="en-US" smtClean="0"/>
               <a:t>‹#›</a:t>
             </a:fld>
@@ -1196,7 +1196,7 @@
     </p:spTree>
     <p:extLst>
       <p:ext uri="{BB962C8B-B14F-4D97-AF65-F5344CB8AC3E}">
-        <p14:creationId xmlns:p14="http://schemas.microsoft.com/office/powerpoint/2010/main" val="3003046598"/>
+        <p14:creationId xmlns:p14="http://schemas.microsoft.com/office/powerpoint/2010/main" val="1764338604"/>
       </p:ext>
     </p:extLst>
   </p:cSld>
@@ -1228,7 +1228,7 @@
           <p:cNvPr id="2" name="标题 1">
             <a:extLst>
               <a:ext uri="{FF2B5EF4-FFF2-40B4-BE49-F238E27FC236}">
-                <a16:creationId xmlns:a16="http://schemas.microsoft.com/office/drawing/2014/main" id="{A22649DD-3632-EA57-5787-C80BD73516E1}"/>
+                <a16:creationId xmlns:a16="http://schemas.microsoft.com/office/drawing/2014/main" id="{1BACC84C-68DE-32AD-6591-D2A51947238D}"/>
               </a:ext>
             </a:extLst>
           </p:cNvPr>
@@ -1256,7 +1256,7 @@
           <p:cNvPr id="3" name="内容占位符 2">
             <a:extLst>
               <a:ext uri="{FF2B5EF4-FFF2-40B4-BE49-F238E27FC236}">
-                <a16:creationId xmlns:a16="http://schemas.microsoft.com/office/drawing/2014/main" id="{484D6871-0800-D37C-B05D-9412063DDF6D}"/>
+                <a16:creationId xmlns:a16="http://schemas.microsoft.com/office/drawing/2014/main" id="{4B83E41F-35E0-5540-166E-E542476BEE57}"/>
               </a:ext>
             </a:extLst>
           </p:cNvPr>
@@ -1318,7 +1318,7 @@
           <p:cNvPr id="4" name="内容占位符 3">
             <a:extLst>
               <a:ext uri="{FF2B5EF4-FFF2-40B4-BE49-F238E27FC236}">
-                <a16:creationId xmlns:a16="http://schemas.microsoft.com/office/drawing/2014/main" id="{1BDB23BC-6360-F0E8-5A76-DDAD79BE3C36}"/>
+                <a16:creationId xmlns:a16="http://schemas.microsoft.com/office/drawing/2014/main" id="{833B3CA0-7842-0972-217A-693246F495D1}"/>
               </a:ext>
             </a:extLst>
           </p:cNvPr>
@@ -1380,7 +1380,7 @@
           <p:cNvPr id="5" name="日期占位符 4">
             <a:extLst>
               <a:ext uri="{FF2B5EF4-FFF2-40B4-BE49-F238E27FC236}">
-                <a16:creationId xmlns:a16="http://schemas.microsoft.com/office/drawing/2014/main" id="{11A4DB65-7944-5D13-C998-E5AE7697291B}"/>
+                <a16:creationId xmlns:a16="http://schemas.microsoft.com/office/drawing/2014/main" id="{9D71C4B0-CD78-5343-6B5D-D56A92801F71}"/>
               </a:ext>
             </a:extLst>
           </p:cNvPr>
@@ -1396,7 +1396,7 @@
           <a:bodyPr/>
           <a:lstStyle/>
           <a:p>
-            <a:fld id="{87E82FAC-03AF-4B8A-AE2C-9A7347619512}" type="datetimeFigureOut">
+            <a:fld id="{443B54B6-D661-4FED-89F0-CA51A1B24B0B}" type="datetimeFigureOut">
               <a:rPr lang="zh-CN" altLang="en-US" smtClean="0"/>
               <a:t>2024/3/10</a:t>
             </a:fld>
@@ -1409,7 +1409,7 @@
           <p:cNvPr id="6" name="页脚占位符 5">
             <a:extLst>
               <a:ext uri="{FF2B5EF4-FFF2-40B4-BE49-F238E27FC236}">
-                <a16:creationId xmlns:a16="http://schemas.microsoft.com/office/drawing/2014/main" id="{992DE116-BAC3-8001-2978-7FF651C05CC2}"/>
+                <a16:creationId xmlns:a16="http://schemas.microsoft.com/office/drawing/2014/main" id="{9F3442B5-1385-ABD2-C205-E501343C12B1}"/>
               </a:ext>
             </a:extLst>
           </p:cNvPr>
@@ -1434,7 +1434,7 @@
           <p:cNvPr id="7" name="灯片编号占位符 6">
             <a:extLst>
               <a:ext uri="{FF2B5EF4-FFF2-40B4-BE49-F238E27FC236}">
-                <a16:creationId xmlns:a16="http://schemas.microsoft.com/office/drawing/2014/main" id="{3C82ABBE-CE4D-0FE6-1EA8-D3994B92F7A7}"/>
+                <a16:creationId xmlns:a16="http://schemas.microsoft.com/office/drawing/2014/main" id="{153A6F30-E412-BF74-A864-77B529385580}"/>
               </a:ext>
             </a:extLst>
           </p:cNvPr>
@@ -1450,7 +1450,7 @@
           <a:bodyPr/>
           <a:lstStyle/>
           <a:p>
-            <a:fld id="{9B618E51-2243-433F-A58B-213E87C6B44F}" type="slidenum">
+            <a:fld id="{66BB5DAE-5780-4092-8AC6-188477A4C476}" type="slidenum">
               <a:rPr lang="zh-CN" altLang="en-US" smtClean="0"/>
               <a:t>‹#›</a:t>
             </a:fld>
@@ -1461,7 +1461,7 @@
     </p:spTree>
     <p:extLst>
       <p:ext uri="{BB962C8B-B14F-4D97-AF65-F5344CB8AC3E}">
-        <p14:creationId xmlns:p14="http://schemas.microsoft.com/office/powerpoint/2010/main" val="444992413"/>
+        <p14:creationId xmlns:p14="http://schemas.microsoft.com/office/powerpoint/2010/main" val="238231061"/>
       </p:ext>
     </p:extLst>
   </p:cSld>
@@ -1493,7 +1493,7 @@
           <p:cNvPr id="2" name="标题 1">
             <a:extLst>
               <a:ext uri="{FF2B5EF4-FFF2-40B4-BE49-F238E27FC236}">
-                <a16:creationId xmlns:a16="http://schemas.microsoft.com/office/drawing/2014/main" id="{F45FC84E-593C-9C2F-9181-D73CE08B5F45}"/>
+                <a16:creationId xmlns:a16="http://schemas.microsoft.com/office/drawing/2014/main" id="{D8209B6A-258F-DD7D-1E93-B3D1D6F8E7A6}"/>
               </a:ext>
             </a:extLst>
           </p:cNvPr>
@@ -1526,7 +1526,7 @@
           <p:cNvPr id="3" name="文本占位符 2">
             <a:extLst>
               <a:ext uri="{FF2B5EF4-FFF2-40B4-BE49-F238E27FC236}">
-                <a16:creationId xmlns:a16="http://schemas.microsoft.com/office/drawing/2014/main" id="{81AC8302-9AC2-6104-0CDE-C794235722BE}"/>
+                <a16:creationId xmlns:a16="http://schemas.microsoft.com/office/drawing/2014/main" id="{1541B73F-057F-791C-3F0A-AAE7719C7A85}"/>
               </a:ext>
             </a:extLst>
           </p:cNvPr>
@@ -1597,7 +1597,7 @@
           <p:cNvPr id="4" name="内容占位符 3">
             <a:extLst>
               <a:ext uri="{FF2B5EF4-FFF2-40B4-BE49-F238E27FC236}">
-                <a16:creationId xmlns:a16="http://schemas.microsoft.com/office/drawing/2014/main" id="{06984F7B-E2AE-3EC8-22B7-A2BF3B35AB16}"/>
+                <a16:creationId xmlns:a16="http://schemas.microsoft.com/office/drawing/2014/main" id="{648F6367-A559-0C53-DFA1-33B7C5DCAD4B}"/>
               </a:ext>
             </a:extLst>
           </p:cNvPr>
@@ -1659,7 +1659,7 @@
           <p:cNvPr id="5" name="文本占位符 4">
             <a:extLst>
               <a:ext uri="{FF2B5EF4-FFF2-40B4-BE49-F238E27FC236}">
-                <a16:creationId xmlns:a16="http://schemas.microsoft.com/office/drawing/2014/main" id="{8CDD0EC3-2057-E101-A93A-120F322B5A05}"/>
+                <a16:creationId xmlns:a16="http://schemas.microsoft.com/office/drawing/2014/main" id="{F47BB25D-F52C-EDCA-151F-8A73D6AA7735}"/>
               </a:ext>
             </a:extLst>
           </p:cNvPr>
@@ -1730,7 +1730,7 @@
           <p:cNvPr id="6" name="内容占位符 5">
             <a:extLst>
               <a:ext uri="{FF2B5EF4-FFF2-40B4-BE49-F238E27FC236}">
-                <a16:creationId xmlns:a16="http://schemas.microsoft.com/office/drawing/2014/main" id="{CB9FF429-82C6-69E3-03BF-E32FE7580627}"/>
+                <a16:creationId xmlns:a16="http://schemas.microsoft.com/office/drawing/2014/main" id="{18FED526-BBA2-5CEC-B6AF-C736BC5E6A42}"/>
               </a:ext>
             </a:extLst>
           </p:cNvPr>
@@ -1792,7 +1792,7 @@
           <p:cNvPr id="7" name="日期占位符 6">
             <a:extLst>
               <a:ext uri="{FF2B5EF4-FFF2-40B4-BE49-F238E27FC236}">
-                <a16:creationId xmlns:a16="http://schemas.microsoft.com/office/drawing/2014/main" id="{1074F199-7F4E-18EE-5C25-171747305FA4}"/>
+                <a16:creationId xmlns:a16="http://schemas.microsoft.com/office/drawing/2014/main" id="{2798BA60-C9F6-5A82-CDE2-96D4E09D9966}"/>
               </a:ext>
             </a:extLst>
           </p:cNvPr>
@@ -1808,7 +1808,7 @@
           <a:bodyPr/>
           <a:lstStyle/>
           <a:p>
-            <a:fld id="{87E82FAC-03AF-4B8A-AE2C-9A7347619512}" type="datetimeFigureOut">
+            <a:fld id="{443B54B6-D661-4FED-89F0-CA51A1B24B0B}" type="datetimeFigureOut">
               <a:rPr lang="zh-CN" altLang="en-US" smtClean="0"/>
               <a:t>2024/3/10</a:t>
             </a:fld>
@@ -1821,7 +1821,7 @@
           <p:cNvPr id="8" name="页脚占位符 7">
             <a:extLst>
               <a:ext uri="{FF2B5EF4-FFF2-40B4-BE49-F238E27FC236}">
-                <a16:creationId xmlns:a16="http://schemas.microsoft.com/office/drawing/2014/main" id="{D8FCE189-7E58-C330-E5D8-426113648B15}"/>
+                <a16:creationId xmlns:a16="http://schemas.microsoft.com/office/drawing/2014/main" id="{C0B93584-AE33-0118-0602-144623C40BFF}"/>
               </a:ext>
             </a:extLst>
           </p:cNvPr>
@@ -1846,7 +1846,7 @@
           <p:cNvPr id="9" name="灯片编号占位符 8">
             <a:extLst>
               <a:ext uri="{FF2B5EF4-FFF2-40B4-BE49-F238E27FC236}">
-                <a16:creationId xmlns:a16="http://schemas.microsoft.com/office/drawing/2014/main" id="{2F58CCB8-634D-5C8A-2DE3-1D934A6EE861}"/>
+                <a16:creationId xmlns:a16="http://schemas.microsoft.com/office/drawing/2014/main" id="{8C79667A-E0FC-A871-5D70-769BC73BF9E1}"/>
               </a:ext>
             </a:extLst>
           </p:cNvPr>
@@ -1862,7 +1862,7 @@
           <a:bodyPr/>
           <a:lstStyle/>
           <a:p>
-            <a:fld id="{9B618E51-2243-433F-A58B-213E87C6B44F}" type="slidenum">
+            <a:fld id="{66BB5DAE-5780-4092-8AC6-188477A4C476}" type="slidenum">
               <a:rPr lang="zh-CN" altLang="en-US" smtClean="0"/>
               <a:t>‹#›</a:t>
             </a:fld>
@@ -1873,7 +1873,7 @@
     </p:spTree>
     <p:extLst>
       <p:ext uri="{BB962C8B-B14F-4D97-AF65-F5344CB8AC3E}">
-        <p14:creationId xmlns:p14="http://schemas.microsoft.com/office/powerpoint/2010/main" val="393777318"/>
+        <p14:creationId xmlns:p14="http://schemas.microsoft.com/office/powerpoint/2010/main" val="1567817508"/>
       </p:ext>
     </p:extLst>
   </p:cSld>
@@ -1905,7 +1905,7 @@
           <p:cNvPr id="2" name="标题 1">
             <a:extLst>
               <a:ext uri="{FF2B5EF4-FFF2-40B4-BE49-F238E27FC236}">
-                <a16:creationId xmlns:a16="http://schemas.microsoft.com/office/drawing/2014/main" id="{5221DAA4-2050-AD99-2BCD-156C4BEAE13A}"/>
+                <a16:creationId xmlns:a16="http://schemas.microsoft.com/office/drawing/2014/main" id="{D5C512F3-C894-05B7-EC1F-5E1575A8A912}"/>
               </a:ext>
             </a:extLst>
           </p:cNvPr>
@@ -1933,7 +1933,7 @@
           <p:cNvPr id="3" name="日期占位符 2">
             <a:extLst>
               <a:ext uri="{FF2B5EF4-FFF2-40B4-BE49-F238E27FC236}">
-                <a16:creationId xmlns:a16="http://schemas.microsoft.com/office/drawing/2014/main" id="{E16DCE1B-C058-53F9-9AB8-D6EB18E3D718}"/>
+                <a16:creationId xmlns:a16="http://schemas.microsoft.com/office/drawing/2014/main" id="{D41BC6EC-BEEC-79CF-5C0E-03296C67F3B3}"/>
               </a:ext>
             </a:extLst>
           </p:cNvPr>
@@ -1949,7 +1949,7 @@
           <a:bodyPr/>
           <a:lstStyle/>
           <a:p>
-            <a:fld id="{87E82FAC-03AF-4B8A-AE2C-9A7347619512}" type="datetimeFigureOut">
+            <a:fld id="{443B54B6-D661-4FED-89F0-CA51A1B24B0B}" type="datetimeFigureOut">
               <a:rPr lang="zh-CN" altLang="en-US" smtClean="0"/>
               <a:t>2024/3/10</a:t>
             </a:fld>
@@ -1962,7 +1962,7 @@
           <p:cNvPr id="4" name="页脚占位符 3">
             <a:extLst>
               <a:ext uri="{FF2B5EF4-FFF2-40B4-BE49-F238E27FC236}">
-                <a16:creationId xmlns:a16="http://schemas.microsoft.com/office/drawing/2014/main" id="{B1E0171E-26E5-74BF-237E-400FE80011DE}"/>
+                <a16:creationId xmlns:a16="http://schemas.microsoft.com/office/drawing/2014/main" id="{62E5B700-8F9C-C02B-7E95-1FA42AF98FAA}"/>
               </a:ext>
             </a:extLst>
           </p:cNvPr>
@@ -1987,7 +1987,7 @@
           <p:cNvPr id="5" name="灯片编号占位符 4">
             <a:extLst>
               <a:ext uri="{FF2B5EF4-FFF2-40B4-BE49-F238E27FC236}">
-                <a16:creationId xmlns:a16="http://schemas.microsoft.com/office/drawing/2014/main" id="{31D584DA-EA78-4D65-7C1C-4CDC7F4EAFCB}"/>
+                <a16:creationId xmlns:a16="http://schemas.microsoft.com/office/drawing/2014/main" id="{D26C24AC-E6EB-8761-2B27-7D0E27B2B1F8}"/>
               </a:ext>
             </a:extLst>
           </p:cNvPr>
@@ -2003,7 +2003,7 @@
           <a:bodyPr/>
           <a:lstStyle/>
           <a:p>
-            <a:fld id="{9B618E51-2243-433F-A58B-213E87C6B44F}" type="slidenum">
+            <a:fld id="{66BB5DAE-5780-4092-8AC6-188477A4C476}" type="slidenum">
               <a:rPr lang="zh-CN" altLang="en-US" smtClean="0"/>
               <a:t>‹#›</a:t>
             </a:fld>
@@ -2014,7 +2014,7 @@
     </p:spTree>
     <p:extLst>
       <p:ext uri="{BB962C8B-B14F-4D97-AF65-F5344CB8AC3E}">
-        <p14:creationId xmlns:p14="http://schemas.microsoft.com/office/powerpoint/2010/main" val="3787035353"/>
+        <p14:creationId xmlns:p14="http://schemas.microsoft.com/office/powerpoint/2010/main" val="1733859123"/>
       </p:ext>
     </p:extLst>
   </p:cSld>
@@ -2046,7 +2046,7 @@
           <p:cNvPr id="2" name="日期占位符 1">
             <a:extLst>
               <a:ext uri="{FF2B5EF4-FFF2-40B4-BE49-F238E27FC236}">
-                <a16:creationId xmlns:a16="http://schemas.microsoft.com/office/drawing/2014/main" id="{17171102-A455-6756-A524-A0D3DA23FCAE}"/>
+                <a16:creationId xmlns:a16="http://schemas.microsoft.com/office/drawing/2014/main" id="{2EA31979-D30A-332D-81D6-2BFC2C268BCD}"/>
               </a:ext>
             </a:extLst>
           </p:cNvPr>
@@ -2062,7 +2062,7 @@
           <a:bodyPr/>
           <a:lstStyle/>
           <a:p>
-            <a:fld id="{87E82FAC-03AF-4B8A-AE2C-9A7347619512}" type="datetimeFigureOut">
+            <a:fld id="{443B54B6-D661-4FED-89F0-CA51A1B24B0B}" type="datetimeFigureOut">
               <a:rPr lang="zh-CN" altLang="en-US" smtClean="0"/>
               <a:t>2024/3/10</a:t>
             </a:fld>
@@ -2075,7 +2075,7 @@
           <p:cNvPr id="3" name="页脚占位符 2">
             <a:extLst>
               <a:ext uri="{FF2B5EF4-FFF2-40B4-BE49-F238E27FC236}">
-                <a16:creationId xmlns:a16="http://schemas.microsoft.com/office/drawing/2014/main" id="{54E46851-3713-D2B8-8EA0-0A7FB950E421}"/>
+                <a16:creationId xmlns:a16="http://schemas.microsoft.com/office/drawing/2014/main" id="{3F1033A2-B834-5E8B-92CD-29560C51C615}"/>
               </a:ext>
             </a:extLst>
           </p:cNvPr>
@@ -2100,7 +2100,7 @@
           <p:cNvPr id="4" name="灯片编号占位符 3">
             <a:extLst>
               <a:ext uri="{FF2B5EF4-FFF2-40B4-BE49-F238E27FC236}">
-                <a16:creationId xmlns:a16="http://schemas.microsoft.com/office/drawing/2014/main" id="{62358DA6-8E15-0D03-092B-855CE31A9CAA}"/>
+                <a16:creationId xmlns:a16="http://schemas.microsoft.com/office/drawing/2014/main" id="{731FE081-EFFE-2B45-BE74-F6D527504B96}"/>
               </a:ext>
             </a:extLst>
           </p:cNvPr>
@@ -2116,7 +2116,7 @@
           <a:bodyPr/>
           <a:lstStyle/>
           <a:p>
-            <a:fld id="{9B618E51-2243-433F-A58B-213E87C6B44F}" type="slidenum">
+            <a:fld id="{66BB5DAE-5780-4092-8AC6-188477A4C476}" type="slidenum">
               <a:rPr lang="zh-CN" altLang="en-US" smtClean="0"/>
               <a:t>‹#›</a:t>
             </a:fld>
@@ -2127,7 +2127,7 @@
     </p:spTree>
     <p:extLst>
       <p:ext uri="{BB962C8B-B14F-4D97-AF65-F5344CB8AC3E}">
-        <p14:creationId xmlns:p14="http://schemas.microsoft.com/office/powerpoint/2010/main" val="2032731716"/>
+        <p14:creationId xmlns:p14="http://schemas.microsoft.com/office/powerpoint/2010/main" val="4021932902"/>
       </p:ext>
     </p:extLst>
   </p:cSld>
@@ -2159,7 +2159,7 @@
           <p:cNvPr id="2" name="标题 1">
             <a:extLst>
               <a:ext uri="{FF2B5EF4-FFF2-40B4-BE49-F238E27FC236}">
-                <a16:creationId xmlns:a16="http://schemas.microsoft.com/office/drawing/2014/main" id="{076CA8AF-FA74-2D9E-2AAF-7F6643B26BA0}"/>
+                <a16:creationId xmlns:a16="http://schemas.microsoft.com/office/drawing/2014/main" id="{1E64E00E-9F62-E174-8E4F-9413BB177BC7}"/>
               </a:ext>
             </a:extLst>
           </p:cNvPr>
@@ -2196,7 +2196,7 @@
           <p:cNvPr id="3" name="内容占位符 2">
             <a:extLst>
               <a:ext uri="{FF2B5EF4-FFF2-40B4-BE49-F238E27FC236}">
-                <a16:creationId xmlns:a16="http://schemas.microsoft.com/office/drawing/2014/main" id="{942E929A-4EB2-0234-43D3-5DB0770D9127}"/>
+                <a16:creationId xmlns:a16="http://schemas.microsoft.com/office/drawing/2014/main" id="{F7CBC8EA-F606-A13B-722B-468B7CCA589A}"/>
               </a:ext>
             </a:extLst>
           </p:cNvPr>
@@ -2286,7 +2286,7 @@
           <p:cNvPr id="4" name="文本占位符 3">
             <a:extLst>
               <a:ext uri="{FF2B5EF4-FFF2-40B4-BE49-F238E27FC236}">
-                <a16:creationId xmlns:a16="http://schemas.microsoft.com/office/drawing/2014/main" id="{03DCEC06-6736-AF48-6F74-9FD8F5210AA8}"/>
+                <a16:creationId xmlns:a16="http://schemas.microsoft.com/office/drawing/2014/main" id="{6CCF29C4-D160-8562-9FC2-8ECC8881C70E}"/>
               </a:ext>
             </a:extLst>
           </p:cNvPr>
@@ -2357,7 +2357,7 @@
           <p:cNvPr id="5" name="日期占位符 4">
             <a:extLst>
               <a:ext uri="{FF2B5EF4-FFF2-40B4-BE49-F238E27FC236}">
-                <a16:creationId xmlns:a16="http://schemas.microsoft.com/office/drawing/2014/main" id="{91E59A82-7E53-D6E4-7D27-9B5F39F1A8A4}"/>
+                <a16:creationId xmlns:a16="http://schemas.microsoft.com/office/drawing/2014/main" id="{77D41EAE-41AA-E77F-B926-344398939602}"/>
               </a:ext>
             </a:extLst>
           </p:cNvPr>
@@ -2373,7 +2373,7 @@
           <a:bodyPr/>
           <a:lstStyle/>
           <a:p>
-            <a:fld id="{87E82FAC-03AF-4B8A-AE2C-9A7347619512}" type="datetimeFigureOut">
+            <a:fld id="{443B54B6-D661-4FED-89F0-CA51A1B24B0B}" type="datetimeFigureOut">
               <a:rPr lang="zh-CN" altLang="en-US" smtClean="0"/>
               <a:t>2024/3/10</a:t>
             </a:fld>
@@ -2386,7 +2386,7 @@
           <p:cNvPr id="6" name="页脚占位符 5">
             <a:extLst>
               <a:ext uri="{FF2B5EF4-FFF2-40B4-BE49-F238E27FC236}">
-                <a16:creationId xmlns:a16="http://schemas.microsoft.com/office/drawing/2014/main" id="{A65C014F-2DDC-6AE4-C06F-FDEC8A4C7C23}"/>
+                <a16:creationId xmlns:a16="http://schemas.microsoft.com/office/drawing/2014/main" id="{F81BD105-A159-508D-4DAC-74F651FFB833}"/>
               </a:ext>
             </a:extLst>
           </p:cNvPr>
@@ -2411,7 +2411,7 @@
           <p:cNvPr id="7" name="灯片编号占位符 6">
             <a:extLst>
               <a:ext uri="{FF2B5EF4-FFF2-40B4-BE49-F238E27FC236}">
-                <a16:creationId xmlns:a16="http://schemas.microsoft.com/office/drawing/2014/main" id="{36768B09-A6F6-EFE8-858F-E33419DA3261}"/>
+                <a16:creationId xmlns:a16="http://schemas.microsoft.com/office/drawing/2014/main" id="{D0813B53-F8AE-2989-3D7E-AB17E6235F57}"/>
               </a:ext>
             </a:extLst>
           </p:cNvPr>
@@ -2427,7 +2427,7 @@
           <a:bodyPr/>
           <a:lstStyle/>
           <a:p>
-            <a:fld id="{9B618E51-2243-433F-A58B-213E87C6B44F}" type="slidenum">
+            <a:fld id="{66BB5DAE-5780-4092-8AC6-188477A4C476}" type="slidenum">
               <a:rPr lang="zh-CN" altLang="en-US" smtClean="0"/>
               <a:t>‹#›</a:t>
             </a:fld>
@@ -2438,7 +2438,7 @@
     </p:spTree>
     <p:extLst>
       <p:ext uri="{BB962C8B-B14F-4D97-AF65-F5344CB8AC3E}">
-        <p14:creationId xmlns:p14="http://schemas.microsoft.com/office/powerpoint/2010/main" val="149116927"/>
+        <p14:creationId xmlns:p14="http://schemas.microsoft.com/office/powerpoint/2010/main" val="3618295761"/>
       </p:ext>
     </p:extLst>
   </p:cSld>
@@ -2470,7 +2470,7 @@
           <p:cNvPr id="2" name="标题 1">
             <a:extLst>
               <a:ext uri="{FF2B5EF4-FFF2-40B4-BE49-F238E27FC236}">
-                <a16:creationId xmlns:a16="http://schemas.microsoft.com/office/drawing/2014/main" id="{8AA32F7F-6D61-6FE8-F717-254DDDFA1762}"/>
+                <a16:creationId xmlns:a16="http://schemas.microsoft.com/office/drawing/2014/main" id="{7F17E502-C15F-F798-D085-C5B59838EA11}"/>
               </a:ext>
             </a:extLst>
           </p:cNvPr>
@@ -2507,7 +2507,7 @@
           <p:cNvPr id="3" name="图片占位符 2">
             <a:extLst>
               <a:ext uri="{FF2B5EF4-FFF2-40B4-BE49-F238E27FC236}">
-                <a16:creationId xmlns:a16="http://schemas.microsoft.com/office/drawing/2014/main" id="{1AF0D733-E662-1746-F74D-583D59956179}"/>
+                <a16:creationId xmlns:a16="http://schemas.microsoft.com/office/drawing/2014/main" id="{BC1EEB92-FE15-6167-AC05-9B1DDDBBFC59}"/>
               </a:ext>
             </a:extLst>
           </p:cNvPr>
@@ -2574,7 +2574,7 @@
           <p:cNvPr id="4" name="文本占位符 3">
             <a:extLst>
               <a:ext uri="{FF2B5EF4-FFF2-40B4-BE49-F238E27FC236}">
-                <a16:creationId xmlns:a16="http://schemas.microsoft.com/office/drawing/2014/main" id="{64895D76-FFF2-5268-8FFA-448B321AFF1C}"/>
+                <a16:creationId xmlns:a16="http://schemas.microsoft.com/office/drawing/2014/main" id="{1F5D7EFC-0F3C-A973-D4D7-70584C33D54D}"/>
               </a:ext>
             </a:extLst>
           </p:cNvPr>
@@ -2645,7 +2645,7 @@
           <p:cNvPr id="5" name="日期占位符 4">
             <a:extLst>
               <a:ext uri="{FF2B5EF4-FFF2-40B4-BE49-F238E27FC236}">
-                <a16:creationId xmlns:a16="http://schemas.microsoft.com/office/drawing/2014/main" id="{22725A3F-16D4-39BC-21F2-8A7CC002A107}"/>
+                <a16:creationId xmlns:a16="http://schemas.microsoft.com/office/drawing/2014/main" id="{8644EA95-5A09-A902-D882-9C7927E70EE3}"/>
               </a:ext>
             </a:extLst>
           </p:cNvPr>
@@ -2661,7 +2661,7 @@
           <a:bodyPr/>
           <a:lstStyle/>
           <a:p>
-            <a:fld id="{87E82FAC-03AF-4B8A-AE2C-9A7347619512}" type="datetimeFigureOut">
+            <a:fld id="{443B54B6-D661-4FED-89F0-CA51A1B24B0B}" type="datetimeFigureOut">
               <a:rPr lang="zh-CN" altLang="en-US" smtClean="0"/>
               <a:t>2024/3/10</a:t>
             </a:fld>
@@ -2674,7 +2674,7 @@
           <p:cNvPr id="6" name="页脚占位符 5">
             <a:extLst>
               <a:ext uri="{FF2B5EF4-FFF2-40B4-BE49-F238E27FC236}">
-                <a16:creationId xmlns:a16="http://schemas.microsoft.com/office/drawing/2014/main" id="{830173C9-4663-1DA2-F587-07A48A711D08}"/>
+                <a16:creationId xmlns:a16="http://schemas.microsoft.com/office/drawing/2014/main" id="{DBB1654E-F561-26A0-4D86-570C4E026A90}"/>
               </a:ext>
             </a:extLst>
           </p:cNvPr>
@@ -2699,7 +2699,7 @@
           <p:cNvPr id="7" name="灯片编号占位符 6">
             <a:extLst>
               <a:ext uri="{FF2B5EF4-FFF2-40B4-BE49-F238E27FC236}">
-                <a16:creationId xmlns:a16="http://schemas.microsoft.com/office/drawing/2014/main" id="{87C0557A-FBC6-DB11-8BBE-71EC0FA26E0A}"/>
+                <a16:creationId xmlns:a16="http://schemas.microsoft.com/office/drawing/2014/main" id="{12E6A590-4AA1-51CB-0AAC-209C3A0D9706}"/>
               </a:ext>
             </a:extLst>
           </p:cNvPr>
@@ -2715,7 +2715,7 @@
           <a:bodyPr/>
           <a:lstStyle/>
           <a:p>
-            <a:fld id="{9B618E51-2243-433F-A58B-213E87C6B44F}" type="slidenum">
+            <a:fld id="{66BB5DAE-5780-4092-8AC6-188477A4C476}" type="slidenum">
               <a:rPr lang="zh-CN" altLang="en-US" smtClean="0"/>
               <a:t>‹#›</a:t>
             </a:fld>
@@ -2726,7 +2726,7 @@
     </p:spTree>
     <p:extLst>
       <p:ext uri="{BB962C8B-B14F-4D97-AF65-F5344CB8AC3E}">
-        <p14:creationId xmlns:p14="http://schemas.microsoft.com/office/powerpoint/2010/main" val="527460665"/>
+        <p14:creationId xmlns:p14="http://schemas.microsoft.com/office/powerpoint/2010/main" val="689159556"/>
       </p:ext>
     </p:extLst>
   </p:cSld>
@@ -2763,7 +2763,7 @@
           <p:cNvPr id="2" name="标题占位符 1">
             <a:extLst>
               <a:ext uri="{FF2B5EF4-FFF2-40B4-BE49-F238E27FC236}">
-                <a16:creationId xmlns:a16="http://schemas.microsoft.com/office/drawing/2014/main" id="{21C5839F-100F-E147-F418-6D0DF3A76986}"/>
+                <a16:creationId xmlns:a16="http://schemas.microsoft.com/office/drawing/2014/main" id="{537382CE-6144-BBFC-E756-C8DE893CBBC1}"/>
               </a:ext>
             </a:extLst>
           </p:cNvPr>
@@ -2801,7 +2801,7 @@
           <p:cNvPr id="3" name="文本占位符 2">
             <a:extLst>
               <a:ext uri="{FF2B5EF4-FFF2-40B4-BE49-F238E27FC236}">
-                <a16:creationId xmlns:a16="http://schemas.microsoft.com/office/drawing/2014/main" id="{1652841C-27B3-01C5-6A30-330A003ABDD6}"/>
+                <a16:creationId xmlns:a16="http://schemas.microsoft.com/office/drawing/2014/main" id="{BCC9284F-5129-8A25-7A8D-A15EEDCD7F22}"/>
               </a:ext>
             </a:extLst>
           </p:cNvPr>
@@ -2868,7 +2868,7 @@
           <p:cNvPr id="4" name="日期占位符 3">
             <a:extLst>
               <a:ext uri="{FF2B5EF4-FFF2-40B4-BE49-F238E27FC236}">
-                <a16:creationId xmlns:a16="http://schemas.microsoft.com/office/drawing/2014/main" id="{5B8A7C9F-B753-40AE-2AF5-B8459DEE3E11}"/>
+                <a16:creationId xmlns:a16="http://schemas.microsoft.com/office/drawing/2014/main" id="{1C1BF95B-AAC1-E894-C731-D3A8C5E7B7CC}"/>
               </a:ext>
             </a:extLst>
           </p:cNvPr>
@@ -2902,7 +2902,7 @@
             </a:lvl1pPr>
           </a:lstStyle>
           <a:p>
-            <a:fld id="{87E82FAC-03AF-4B8A-AE2C-9A7347619512}" type="datetimeFigureOut">
+            <a:fld id="{443B54B6-D661-4FED-89F0-CA51A1B24B0B}" type="datetimeFigureOut">
               <a:rPr lang="zh-CN" altLang="en-US" smtClean="0"/>
               <a:t>2024/3/10</a:t>
             </a:fld>
@@ -2915,7 +2915,7 @@
           <p:cNvPr id="5" name="页脚占位符 4">
             <a:extLst>
               <a:ext uri="{FF2B5EF4-FFF2-40B4-BE49-F238E27FC236}">
-                <a16:creationId xmlns:a16="http://schemas.microsoft.com/office/drawing/2014/main" id="{B9145925-7050-DF01-5EBB-DB7B2D5FCF0C}"/>
+                <a16:creationId xmlns:a16="http://schemas.microsoft.com/office/drawing/2014/main" id="{FAE6C1FD-4447-C472-AE2D-2532C47BB24D}"/>
               </a:ext>
             </a:extLst>
           </p:cNvPr>
@@ -2958,7 +2958,7 @@
           <p:cNvPr id="6" name="灯片编号占位符 5">
             <a:extLst>
               <a:ext uri="{FF2B5EF4-FFF2-40B4-BE49-F238E27FC236}">
-                <a16:creationId xmlns:a16="http://schemas.microsoft.com/office/drawing/2014/main" id="{57A759D8-8585-15EB-8D49-76E0626C0E14}"/>
+                <a16:creationId xmlns:a16="http://schemas.microsoft.com/office/drawing/2014/main" id="{E7B2C025-DB05-B865-9FD3-141B3AD748B6}"/>
               </a:ext>
             </a:extLst>
           </p:cNvPr>
@@ -2992,7 +2992,7 @@
             </a:lvl1pPr>
           </a:lstStyle>
           <a:p>
-            <a:fld id="{9B618E51-2243-433F-A58B-213E87C6B44F}" type="slidenum">
+            <a:fld id="{66BB5DAE-5780-4092-8AC6-188477A4C476}" type="slidenum">
               <a:rPr lang="zh-CN" altLang="en-US" smtClean="0"/>
               <a:t>‹#›</a:t>
             </a:fld>
@@ -3003,7 +3003,7 @@
     </p:spTree>
     <p:extLst>
       <p:ext uri="{BB962C8B-B14F-4D97-AF65-F5344CB8AC3E}">
-        <p14:creationId xmlns:p14="http://schemas.microsoft.com/office/powerpoint/2010/main" val="2637075607"/>
+        <p14:creationId xmlns:p14="http://schemas.microsoft.com/office/powerpoint/2010/main" val="3670882985"/>
       </p:ext>
     </p:extLst>
   </p:cSld>
@@ -3323,7 +3323,7 @@
       </p:grpSpPr>
       <p:pic>
         <p:nvPicPr>
-          <p:cNvPr id="1285122" name="Picture 2" descr="1254"/>
+          <p:cNvPr id="1286146" name="Picture 2" descr="1255"/>
           <p:cNvPicPr>
             <a:picLocks noChangeAspect="1" noChangeArrowheads="1"/>
           </p:cNvPicPr>
@@ -3345,7 +3345,7 @@
         <p:spPr bwMode="auto">
           <a:xfrm>
             <a:off x="1524000" y="0"/>
-            <a:ext cx="9144000" cy="5949950"/>
+            <a:ext cx="9144000" cy="6858000"/>
           </a:xfrm>
           <a:prstGeom prst="rect">
             <a:avLst/>
@@ -3375,11 +3375,158 @@
           </a:extLst>
         </p:spPr>
       </p:pic>
+      <p:pic>
+        <p:nvPicPr>
+          <p:cNvPr id="1287171" name="Picture 3" descr="1255-2"/>
+          <p:cNvPicPr>
+            <a:picLocks noChangeAspect="1" noChangeArrowheads="1"/>
+          </p:cNvPicPr>
+          <p:nvPr/>
+        </p:nvPicPr>
+        <p:blipFill>
+          <a:blip r:embed="rId3">
+            <a:extLst>
+              <a:ext uri="{28A0092B-C50C-407E-A947-70E740481C1C}">
+                <a14:useLocalDpi xmlns:a14="http://schemas.microsoft.com/office/drawing/2010/main" val="0"/>
+              </a:ext>
+            </a:extLst>
+          </a:blip>
+          <a:srcRect/>
+          <a:stretch>
+            <a:fillRect/>
+          </a:stretch>
+        </p:blipFill>
+        <p:spPr bwMode="auto">
+          <a:xfrm>
+            <a:off x="1524000" y="0"/>
+            <a:ext cx="9144000" cy="6858000"/>
+          </a:xfrm>
+          <a:prstGeom prst="rect">
+            <a:avLst/>
+          </a:prstGeom>
+          <a:noFill/>
+          <a:ln>
+            <a:noFill/>
+          </a:ln>
+          <a:effectLst/>
+          <a:extLst>
+            <a:ext uri="{909E8E84-426E-40DD-AFC4-6F175D3DCCD1}">
+              <a14:hiddenFill xmlns:a14="http://schemas.microsoft.com/office/drawing/2010/main">
+                <a:solidFill>
+                  <a:srgbClr val="FFFFFF"/>
+                </a:solidFill>
+              </a14:hiddenFill>
+            </a:ext>
+            <a:ext uri="{91240B29-F687-4F45-9708-019B960494DF}">
+              <a14:hiddenLine xmlns:a14="http://schemas.microsoft.com/office/drawing/2010/main" w="9525">
+                <a:solidFill>
+                  <a:srgbClr val="000000"/>
+                </a:solidFill>
+                <a:miter lim="800000"/>
+                <a:headEnd/>
+                <a:tailEnd/>
+              </a14:hiddenLine>
+            </a:ext>
+            <a:ext uri="{AF507438-7753-43E0-B8FC-AC1667EBCBE1}">
+              <a14:hiddenEffects xmlns:a14="http://schemas.microsoft.com/office/drawing/2010/main">
+                <a:effectLst>
+                  <a:outerShdw dist="35921" dir="2700000" algn="ctr" rotWithShape="0">
+                    <a:srgbClr val="808080"/>
+                  </a:outerShdw>
+                </a:effectLst>
+              </a14:hiddenEffects>
+            </a:ext>
+          </a:extLst>
+        </p:spPr>
+      </p:pic>
     </p:spTree>
   </p:cSld>
   <p:clrMapOvr>
     <a:masterClrMapping/>
   </p:clrMapOvr>
+  <p:timing>
+    <p:tnLst>
+      <p:par>
+        <p:cTn id="1" dur="indefinite" restart="never" nodeType="tmRoot">
+          <p:childTnLst>
+            <p:seq concurrent="1" nextAc="seek">
+              <p:cTn id="2" dur="indefinite" nodeType="mainSeq">
+                <p:childTnLst>
+                  <p:par>
+                    <p:cTn id="3" fill="hold" nodeType="clickPar">
+                      <p:stCondLst>
+                        <p:cond delay="indefinite"/>
+                      </p:stCondLst>
+                      <p:childTnLst>
+                        <p:par>
+                          <p:cTn id="4" fill="hold" nodeType="withGroup">
+                            <p:stCondLst>
+                              <p:cond delay="0"/>
+                            </p:stCondLst>
+                            <p:childTnLst>
+                              <p:par>
+                                <p:cTn id="5" presetID="10" presetClass="entr" presetSubtype="0" fill="hold" nodeType="clickEffect">
+                                  <p:stCondLst>
+                                    <p:cond delay="0"/>
+                                  </p:stCondLst>
+                                  <p:childTnLst>
+                                    <p:set>
+                                      <p:cBhvr>
+                                        <p:cTn id="6" dur="1" fill="hold">
+                                          <p:stCondLst>
+                                            <p:cond delay="0"/>
+                                          </p:stCondLst>
+                                        </p:cTn>
+                                        <p:tgtEl>
+                                          <p:spTgt spid="1287171"/>
+                                        </p:tgtEl>
+                                        <p:attrNameLst>
+                                          <p:attrName>style.visibility</p:attrName>
+                                        </p:attrNameLst>
+                                      </p:cBhvr>
+                                      <p:to>
+                                        <p:strVal val="visible"/>
+                                      </p:to>
+                                    </p:set>
+                                    <p:animEffect transition="in" filter="fade">
+                                      <p:cBhvr>
+                                        <p:cTn id="7" dur="500"/>
+                                        <p:tgtEl>
+                                          <p:spTgt spid="1287171"/>
+                                        </p:tgtEl>
+                                      </p:cBhvr>
+                                    </p:animEffect>
+                                  </p:childTnLst>
+                                </p:cTn>
+                              </p:par>
+                            </p:childTnLst>
+                          </p:cTn>
+                        </p:par>
+                      </p:childTnLst>
+                    </p:cTn>
+                  </p:par>
+                </p:childTnLst>
+              </p:cTn>
+              <p:prevCondLst>
+                <p:cond evt="onPrev" delay="0">
+                  <p:tgtEl>
+                    <p:sldTgt/>
+                  </p:tgtEl>
+                </p:cond>
+              </p:prevCondLst>
+              <p:nextCondLst>
+                <p:cond evt="onNext" delay="0">
+                  <p:tgtEl>
+                    <p:sldTgt/>
+                  </p:tgtEl>
+                </p:cond>
+              </p:nextCondLst>
+            </p:seq>
+          </p:childTnLst>
+        </p:cTn>
+      </p:par>
+    </p:tnLst>
+  </p:timing>
 </p:sld>
 </file>
 
